--- a/ppt 16-9/1045.还是走十字架.pptx
+++ b/ppt 16-9/1045.还是走十字架.pptx
@@ -129,7 +129,7 @@
           <p:cNvPr id="2" name="标题 1">
             <a:extLst>
               <a:ext uri="{FF2B5EF4-FFF2-40B4-BE49-F238E27FC236}">
-                <a16:creationId xmlns:a16="http://schemas.microsoft.com/office/drawing/2014/main" id="{A28AF927-91F0-1F48-DBD4-0337AD67A735}"/>
+                <a16:creationId xmlns:a16="http://schemas.microsoft.com/office/drawing/2014/main" id="{8DE95C58-8285-EA68-B1A1-C36A1EBD62AF}"/>
               </a:ext>
             </a:extLst>
           </p:cNvPr>
@@ -166,7 +166,7 @@
           <p:cNvPr id="3" name="副标题 2">
             <a:extLst>
               <a:ext uri="{FF2B5EF4-FFF2-40B4-BE49-F238E27FC236}">
-                <a16:creationId xmlns:a16="http://schemas.microsoft.com/office/drawing/2014/main" id="{FBCFDBEB-2843-6D9B-5F77-750A3AC50031}"/>
+                <a16:creationId xmlns:a16="http://schemas.microsoft.com/office/drawing/2014/main" id="{E80C00E2-793B-F581-C267-C1E89CAEE9F6}"/>
               </a:ext>
             </a:extLst>
           </p:cNvPr>
@@ -236,7 +236,7 @@
           <p:cNvPr id="4" name="日期占位符 3">
             <a:extLst>
               <a:ext uri="{FF2B5EF4-FFF2-40B4-BE49-F238E27FC236}">
-                <a16:creationId xmlns:a16="http://schemas.microsoft.com/office/drawing/2014/main" id="{077342DE-FCE9-7EA2-CAAE-27118A151F4D}"/>
+                <a16:creationId xmlns:a16="http://schemas.microsoft.com/office/drawing/2014/main" id="{8C713B04-600D-F87B-542B-39EA8D900113}"/>
               </a:ext>
             </a:extLst>
           </p:cNvPr>
@@ -252,7 +252,7 @@
           <a:bodyPr/>
           <a:lstStyle/>
           <a:p>
-            <a:fld id="{98236265-4756-4741-9A36-0928F2E4414A}" type="datetimeFigureOut">
+            <a:fld id="{D5F040F5-0451-47AD-86D1-1EDB7D89B8A1}" type="datetimeFigureOut">
               <a:rPr lang="zh-CN" altLang="en-US" smtClean="0"/>
               <a:t>2024/3/10</a:t>
             </a:fld>
@@ -265,7 +265,7 @@
           <p:cNvPr id="5" name="页脚占位符 4">
             <a:extLst>
               <a:ext uri="{FF2B5EF4-FFF2-40B4-BE49-F238E27FC236}">
-                <a16:creationId xmlns:a16="http://schemas.microsoft.com/office/drawing/2014/main" id="{75976654-7EC1-6F36-BDF2-5A989CE78631}"/>
+                <a16:creationId xmlns:a16="http://schemas.microsoft.com/office/drawing/2014/main" id="{416F2F15-5E04-A001-C719-818E1CE0A7FE}"/>
               </a:ext>
             </a:extLst>
           </p:cNvPr>
@@ -290,7 +290,7 @@
           <p:cNvPr id="6" name="灯片编号占位符 5">
             <a:extLst>
               <a:ext uri="{FF2B5EF4-FFF2-40B4-BE49-F238E27FC236}">
-                <a16:creationId xmlns:a16="http://schemas.microsoft.com/office/drawing/2014/main" id="{702F4902-4D4C-5526-08EA-EA3561CD9F02}"/>
+                <a16:creationId xmlns:a16="http://schemas.microsoft.com/office/drawing/2014/main" id="{59BAEE95-0802-5886-7794-6206E1656DAF}"/>
               </a:ext>
             </a:extLst>
           </p:cNvPr>
@@ -306,7 +306,7 @@
           <a:bodyPr/>
           <a:lstStyle/>
           <a:p>
-            <a:fld id="{75ECA95C-8E8F-4DF9-A511-2459092058C7}" type="slidenum">
+            <a:fld id="{F82B0FBE-D716-4CB2-8EE2-378963DD040A}" type="slidenum">
               <a:rPr lang="zh-CN" altLang="en-US" smtClean="0"/>
               <a:t>‹#›</a:t>
             </a:fld>
@@ -317,7 +317,7 @@
     </p:spTree>
     <p:extLst>
       <p:ext uri="{BB962C8B-B14F-4D97-AF65-F5344CB8AC3E}">
-        <p14:creationId xmlns:p14="http://schemas.microsoft.com/office/powerpoint/2010/main" val="3220889832"/>
+        <p14:creationId xmlns:p14="http://schemas.microsoft.com/office/powerpoint/2010/main" val="2220506584"/>
       </p:ext>
     </p:extLst>
   </p:cSld>
@@ -349,7 +349,7 @@
           <p:cNvPr id="2" name="标题 1">
             <a:extLst>
               <a:ext uri="{FF2B5EF4-FFF2-40B4-BE49-F238E27FC236}">
-                <a16:creationId xmlns:a16="http://schemas.microsoft.com/office/drawing/2014/main" id="{D3A69F3D-6C28-F162-907F-52E3B20542F3}"/>
+                <a16:creationId xmlns:a16="http://schemas.microsoft.com/office/drawing/2014/main" id="{37139C6A-E385-4F0F-B2A4-9715982C9FD4}"/>
               </a:ext>
             </a:extLst>
           </p:cNvPr>
@@ -377,7 +377,7 @@
           <p:cNvPr id="3" name="竖排文字占位符 2">
             <a:extLst>
               <a:ext uri="{FF2B5EF4-FFF2-40B4-BE49-F238E27FC236}">
-                <a16:creationId xmlns:a16="http://schemas.microsoft.com/office/drawing/2014/main" id="{D53BC028-82E6-AEBF-201D-0E907228FE09}"/>
+                <a16:creationId xmlns:a16="http://schemas.microsoft.com/office/drawing/2014/main" id="{4CF2091E-466F-9E3B-9DC8-C8D08031DE79}"/>
               </a:ext>
             </a:extLst>
           </p:cNvPr>
@@ -434,7 +434,7 @@
           <p:cNvPr id="4" name="日期占位符 3">
             <a:extLst>
               <a:ext uri="{FF2B5EF4-FFF2-40B4-BE49-F238E27FC236}">
-                <a16:creationId xmlns:a16="http://schemas.microsoft.com/office/drawing/2014/main" id="{8E9AF985-2823-8FE6-B412-9A05FBDFBCAA}"/>
+                <a16:creationId xmlns:a16="http://schemas.microsoft.com/office/drawing/2014/main" id="{DC0E4E1E-DF1B-A5E8-BA6F-77C5746BAB53}"/>
               </a:ext>
             </a:extLst>
           </p:cNvPr>
@@ -450,7 +450,7 @@
           <a:bodyPr/>
           <a:lstStyle/>
           <a:p>
-            <a:fld id="{98236265-4756-4741-9A36-0928F2E4414A}" type="datetimeFigureOut">
+            <a:fld id="{D5F040F5-0451-47AD-86D1-1EDB7D89B8A1}" type="datetimeFigureOut">
               <a:rPr lang="zh-CN" altLang="en-US" smtClean="0"/>
               <a:t>2024/3/10</a:t>
             </a:fld>
@@ -463,7 +463,7 @@
           <p:cNvPr id="5" name="页脚占位符 4">
             <a:extLst>
               <a:ext uri="{FF2B5EF4-FFF2-40B4-BE49-F238E27FC236}">
-                <a16:creationId xmlns:a16="http://schemas.microsoft.com/office/drawing/2014/main" id="{BB704227-7EBA-5BAE-FAD7-7CA79FCCF7BB}"/>
+                <a16:creationId xmlns:a16="http://schemas.microsoft.com/office/drawing/2014/main" id="{608A1D1C-7B25-7E8F-D3C6-749ADDD92701}"/>
               </a:ext>
             </a:extLst>
           </p:cNvPr>
@@ -488,7 +488,7 @@
           <p:cNvPr id="6" name="灯片编号占位符 5">
             <a:extLst>
               <a:ext uri="{FF2B5EF4-FFF2-40B4-BE49-F238E27FC236}">
-                <a16:creationId xmlns:a16="http://schemas.microsoft.com/office/drawing/2014/main" id="{3EEF96CC-907D-19EE-318F-381008C9D6BD}"/>
+                <a16:creationId xmlns:a16="http://schemas.microsoft.com/office/drawing/2014/main" id="{4F391927-E2C5-C188-3AC6-45282936B44D}"/>
               </a:ext>
             </a:extLst>
           </p:cNvPr>
@@ -504,7 +504,7 @@
           <a:bodyPr/>
           <a:lstStyle/>
           <a:p>
-            <a:fld id="{75ECA95C-8E8F-4DF9-A511-2459092058C7}" type="slidenum">
+            <a:fld id="{F82B0FBE-D716-4CB2-8EE2-378963DD040A}" type="slidenum">
               <a:rPr lang="zh-CN" altLang="en-US" smtClean="0"/>
               <a:t>‹#›</a:t>
             </a:fld>
@@ -515,7 +515,7 @@
     </p:spTree>
     <p:extLst>
       <p:ext uri="{BB962C8B-B14F-4D97-AF65-F5344CB8AC3E}">
-        <p14:creationId xmlns:p14="http://schemas.microsoft.com/office/powerpoint/2010/main" val="1318915204"/>
+        <p14:creationId xmlns:p14="http://schemas.microsoft.com/office/powerpoint/2010/main" val="721237652"/>
       </p:ext>
     </p:extLst>
   </p:cSld>
@@ -547,7 +547,7 @@
           <p:cNvPr id="2" name="竖排标题 1">
             <a:extLst>
               <a:ext uri="{FF2B5EF4-FFF2-40B4-BE49-F238E27FC236}">
-                <a16:creationId xmlns:a16="http://schemas.microsoft.com/office/drawing/2014/main" id="{6EB61D1B-AF05-3D2F-998D-9447008C6314}"/>
+                <a16:creationId xmlns:a16="http://schemas.microsoft.com/office/drawing/2014/main" id="{5174B56E-F788-A132-DB8A-BEBED9279C4F}"/>
               </a:ext>
             </a:extLst>
           </p:cNvPr>
@@ -580,7 +580,7 @@
           <p:cNvPr id="3" name="竖排文字占位符 2">
             <a:extLst>
               <a:ext uri="{FF2B5EF4-FFF2-40B4-BE49-F238E27FC236}">
-                <a16:creationId xmlns:a16="http://schemas.microsoft.com/office/drawing/2014/main" id="{FCDC4E97-30E2-EA4D-B52F-7009E6C00EE4}"/>
+                <a16:creationId xmlns:a16="http://schemas.microsoft.com/office/drawing/2014/main" id="{2035256D-5EA4-631B-C170-66A324C43E58}"/>
               </a:ext>
             </a:extLst>
           </p:cNvPr>
@@ -642,7 +642,7 @@
           <p:cNvPr id="4" name="日期占位符 3">
             <a:extLst>
               <a:ext uri="{FF2B5EF4-FFF2-40B4-BE49-F238E27FC236}">
-                <a16:creationId xmlns:a16="http://schemas.microsoft.com/office/drawing/2014/main" id="{2CEEEC3F-A74A-ACEC-D09E-86BAE097C014}"/>
+                <a16:creationId xmlns:a16="http://schemas.microsoft.com/office/drawing/2014/main" id="{7E5C2519-3EC1-E9B9-91C8-CEBDB04D8ABD}"/>
               </a:ext>
             </a:extLst>
           </p:cNvPr>
@@ -658,7 +658,7 @@
           <a:bodyPr/>
           <a:lstStyle/>
           <a:p>
-            <a:fld id="{98236265-4756-4741-9A36-0928F2E4414A}" type="datetimeFigureOut">
+            <a:fld id="{D5F040F5-0451-47AD-86D1-1EDB7D89B8A1}" type="datetimeFigureOut">
               <a:rPr lang="zh-CN" altLang="en-US" smtClean="0"/>
               <a:t>2024/3/10</a:t>
             </a:fld>
@@ -671,7 +671,7 @@
           <p:cNvPr id="5" name="页脚占位符 4">
             <a:extLst>
               <a:ext uri="{FF2B5EF4-FFF2-40B4-BE49-F238E27FC236}">
-                <a16:creationId xmlns:a16="http://schemas.microsoft.com/office/drawing/2014/main" id="{7F00FE69-3E5D-B73F-3E16-C62D9F3F1EA0}"/>
+                <a16:creationId xmlns:a16="http://schemas.microsoft.com/office/drawing/2014/main" id="{3512E7DD-008E-5FC5-3F04-F75F83AE80E1}"/>
               </a:ext>
             </a:extLst>
           </p:cNvPr>
@@ -696,7 +696,7 @@
           <p:cNvPr id="6" name="灯片编号占位符 5">
             <a:extLst>
               <a:ext uri="{FF2B5EF4-FFF2-40B4-BE49-F238E27FC236}">
-                <a16:creationId xmlns:a16="http://schemas.microsoft.com/office/drawing/2014/main" id="{4D8C0B15-6B56-F484-50E8-D61A05399496}"/>
+                <a16:creationId xmlns:a16="http://schemas.microsoft.com/office/drawing/2014/main" id="{12CB21A8-76C9-D22F-00EC-3B55DA3D4B71}"/>
               </a:ext>
             </a:extLst>
           </p:cNvPr>
@@ -712,7 +712,7 @@
           <a:bodyPr/>
           <a:lstStyle/>
           <a:p>
-            <a:fld id="{75ECA95C-8E8F-4DF9-A511-2459092058C7}" type="slidenum">
+            <a:fld id="{F82B0FBE-D716-4CB2-8EE2-378963DD040A}" type="slidenum">
               <a:rPr lang="zh-CN" altLang="en-US" smtClean="0"/>
               <a:t>‹#›</a:t>
             </a:fld>
@@ -723,7 +723,7 @@
     </p:spTree>
     <p:extLst>
       <p:ext uri="{BB962C8B-B14F-4D97-AF65-F5344CB8AC3E}">
-        <p14:creationId xmlns:p14="http://schemas.microsoft.com/office/powerpoint/2010/main" val="1432496491"/>
+        <p14:creationId xmlns:p14="http://schemas.microsoft.com/office/powerpoint/2010/main" val="3060818100"/>
       </p:ext>
     </p:extLst>
   </p:cSld>
@@ -755,7 +755,7 @@
           <p:cNvPr id="2" name="标题 1">
             <a:extLst>
               <a:ext uri="{FF2B5EF4-FFF2-40B4-BE49-F238E27FC236}">
-                <a16:creationId xmlns:a16="http://schemas.microsoft.com/office/drawing/2014/main" id="{7E7546FC-A237-4895-B597-61461C00C668}"/>
+                <a16:creationId xmlns:a16="http://schemas.microsoft.com/office/drawing/2014/main" id="{919CDA89-337F-B984-AAD8-46119DFFF0A0}"/>
               </a:ext>
             </a:extLst>
           </p:cNvPr>
@@ -783,7 +783,7 @@
           <p:cNvPr id="3" name="内容占位符 2">
             <a:extLst>
               <a:ext uri="{FF2B5EF4-FFF2-40B4-BE49-F238E27FC236}">
-                <a16:creationId xmlns:a16="http://schemas.microsoft.com/office/drawing/2014/main" id="{FBF5CBD0-E728-737E-AFE2-0198D218ACE9}"/>
+                <a16:creationId xmlns:a16="http://schemas.microsoft.com/office/drawing/2014/main" id="{1DAF206C-A03D-88B8-6260-9FBD102D317B}"/>
               </a:ext>
             </a:extLst>
           </p:cNvPr>
@@ -840,7 +840,7 @@
           <p:cNvPr id="4" name="日期占位符 3">
             <a:extLst>
               <a:ext uri="{FF2B5EF4-FFF2-40B4-BE49-F238E27FC236}">
-                <a16:creationId xmlns:a16="http://schemas.microsoft.com/office/drawing/2014/main" id="{D9BA71B8-6303-1A35-6093-3ADCB66B19EF}"/>
+                <a16:creationId xmlns:a16="http://schemas.microsoft.com/office/drawing/2014/main" id="{8FF1C7A4-AD17-061E-A68A-21235429B7F1}"/>
               </a:ext>
             </a:extLst>
           </p:cNvPr>
@@ -856,7 +856,7 @@
           <a:bodyPr/>
           <a:lstStyle/>
           <a:p>
-            <a:fld id="{98236265-4756-4741-9A36-0928F2E4414A}" type="datetimeFigureOut">
+            <a:fld id="{D5F040F5-0451-47AD-86D1-1EDB7D89B8A1}" type="datetimeFigureOut">
               <a:rPr lang="zh-CN" altLang="en-US" smtClean="0"/>
               <a:t>2024/3/10</a:t>
             </a:fld>
@@ -869,7 +869,7 @@
           <p:cNvPr id="5" name="页脚占位符 4">
             <a:extLst>
               <a:ext uri="{FF2B5EF4-FFF2-40B4-BE49-F238E27FC236}">
-                <a16:creationId xmlns:a16="http://schemas.microsoft.com/office/drawing/2014/main" id="{FEF8C7E9-CC87-36C8-A27C-243A0F8A85D5}"/>
+                <a16:creationId xmlns:a16="http://schemas.microsoft.com/office/drawing/2014/main" id="{7884E256-E605-BA1A-66EC-6D9D51C34A64}"/>
               </a:ext>
             </a:extLst>
           </p:cNvPr>
@@ -894,7 +894,7 @@
           <p:cNvPr id="6" name="灯片编号占位符 5">
             <a:extLst>
               <a:ext uri="{FF2B5EF4-FFF2-40B4-BE49-F238E27FC236}">
-                <a16:creationId xmlns:a16="http://schemas.microsoft.com/office/drawing/2014/main" id="{28560A35-7138-DB31-3789-F43D359F0EE5}"/>
+                <a16:creationId xmlns:a16="http://schemas.microsoft.com/office/drawing/2014/main" id="{5C629DDB-B90F-999D-4D72-A775B80AFC4A}"/>
               </a:ext>
             </a:extLst>
           </p:cNvPr>
@@ -910,7 +910,7 @@
           <a:bodyPr/>
           <a:lstStyle/>
           <a:p>
-            <a:fld id="{75ECA95C-8E8F-4DF9-A511-2459092058C7}" type="slidenum">
+            <a:fld id="{F82B0FBE-D716-4CB2-8EE2-378963DD040A}" type="slidenum">
               <a:rPr lang="zh-CN" altLang="en-US" smtClean="0"/>
               <a:t>‹#›</a:t>
             </a:fld>
@@ -921,7 +921,7 @@
     </p:spTree>
     <p:extLst>
       <p:ext uri="{BB962C8B-B14F-4D97-AF65-F5344CB8AC3E}">
-        <p14:creationId xmlns:p14="http://schemas.microsoft.com/office/powerpoint/2010/main" val="2344796312"/>
+        <p14:creationId xmlns:p14="http://schemas.microsoft.com/office/powerpoint/2010/main" val="3423806469"/>
       </p:ext>
     </p:extLst>
   </p:cSld>
@@ -953,7 +953,7 @@
           <p:cNvPr id="2" name="标题 1">
             <a:extLst>
               <a:ext uri="{FF2B5EF4-FFF2-40B4-BE49-F238E27FC236}">
-                <a16:creationId xmlns:a16="http://schemas.microsoft.com/office/drawing/2014/main" id="{B73E5026-8A07-502B-8C34-71B3ED0F5E29}"/>
+                <a16:creationId xmlns:a16="http://schemas.microsoft.com/office/drawing/2014/main" id="{2E3BBB9B-6662-5B2A-37D1-0401639CE1C5}"/>
               </a:ext>
             </a:extLst>
           </p:cNvPr>
@@ -990,7 +990,7 @@
           <p:cNvPr id="3" name="文本占位符 2">
             <a:extLst>
               <a:ext uri="{FF2B5EF4-FFF2-40B4-BE49-F238E27FC236}">
-                <a16:creationId xmlns:a16="http://schemas.microsoft.com/office/drawing/2014/main" id="{03BBB690-4CAC-D5A1-7A4A-F164275514C4}"/>
+                <a16:creationId xmlns:a16="http://schemas.microsoft.com/office/drawing/2014/main" id="{6316185E-0C7E-CD48-B778-96422DCD3BAF}"/>
               </a:ext>
             </a:extLst>
           </p:cNvPr>
@@ -1115,7 +1115,7 @@
           <p:cNvPr id="4" name="日期占位符 3">
             <a:extLst>
               <a:ext uri="{FF2B5EF4-FFF2-40B4-BE49-F238E27FC236}">
-                <a16:creationId xmlns:a16="http://schemas.microsoft.com/office/drawing/2014/main" id="{B735B649-5404-8BBF-1A2D-E5F654A1A5CE}"/>
+                <a16:creationId xmlns:a16="http://schemas.microsoft.com/office/drawing/2014/main" id="{37EF04C9-EE4A-E4D2-D2B5-307760DF48D3}"/>
               </a:ext>
             </a:extLst>
           </p:cNvPr>
@@ -1131,7 +1131,7 @@
           <a:bodyPr/>
           <a:lstStyle/>
           <a:p>
-            <a:fld id="{98236265-4756-4741-9A36-0928F2E4414A}" type="datetimeFigureOut">
+            <a:fld id="{D5F040F5-0451-47AD-86D1-1EDB7D89B8A1}" type="datetimeFigureOut">
               <a:rPr lang="zh-CN" altLang="en-US" smtClean="0"/>
               <a:t>2024/3/10</a:t>
             </a:fld>
@@ -1144,7 +1144,7 @@
           <p:cNvPr id="5" name="页脚占位符 4">
             <a:extLst>
               <a:ext uri="{FF2B5EF4-FFF2-40B4-BE49-F238E27FC236}">
-                <a16:creationId xmlns:a16="http://schemas.microsoft.com/office/drawing/2014/main" id="{BA5A0732-7475-C6BE-C4B9-A27F1BDFC3BA}"/>
+                <a16:creationId xmlns:a16="http://schemas.microsoft.com/office/drawing/2014/main" id="{A2423DEC-DAA0-962A-1C1D-AEB3477D1715}"/>
               </a:ext>
             </a:extLst>
           </p:cNvPr>
@@ -1169,7 +1169,7 @@
           <p:cNvPr id="6" name="灯片编号占位符 5">
             <a:extLst>
               <a:ext uri="{FF2B5EF4-FFF2-40B4-BE49-F238E27FC236}">
-                <a16:creationId xmlns:a16="http://schemas.microsoft.com/office/drawing/2014/main" id="{243924FD-5490-D359-7E34-7407BC3EA8B5}"/>
+                <a16:creationId xmlns:a16="http://schemas.microsoft.com/office/drawing/2014/main" id="{B0FAF889-EA47-C357-C69D-AC49566FB7B8}"/>
               </a:ext>
             </a:extLst>
           </p:cNvPr>
@@ -1185,7 +1185,7 @@
           <a:bodyPr/>
           <a:lstStyle/>
           <a:p>
-            <a:fld id="{75ECA95C-8E8F-4DF9-A511-2459092058C7}" type="slidenum">
+            <a:fld id="{F82B0FBE-D716-4CB2-8EE2-378963DD040A}" type="slidenum">
               <a:rPr lang="zh-CN" altLang="en-US" smtClean="0"/>
               <a:t>‹#›</a:t>
             </a:fld>
@@ -1196,7 +1196,7 @@
     </p:spTree>
     <p:extLst>
       <p:ext uri="{BB962C8B-B14F-4D97-AF65-F5344CB8AC3E}">
-        <p14:creationId xmlns:p14="http://schemas.microsoft.com/office/powerpoint/2010/main" val="2648231713"/>
+        <p14:creationId xmlns:p14="http://schemas.microsoft.com/office/powerpoint/2010/main" val="1900443020"/>
       </p:ext>
     </p:extLst>
   </p:cSld>
@@ -1228,7 +1228,7 @@
           <p:cNvPr id="2" name="标题 1">
             <a:extLst>
               <a:ext uri="{FF2B5EF4-FFF2-40B4-BE49-F238E27FC236}">
-                <a16:creationId xmlns:a16="http://schemas.microsoft.com/office/drawing/2014/main" id="{EFFDD653-3169-5B6E-DF7A-6517ABE14826}"/>
+                <a16:creationId xmlns:a16="http://schemas.microsoft.com/office/drawing/2014/main" id="{8A1BBE49-CF10-02B2-9E8B-28EA3C1CF642}"/>
               </a:ext>
             </a:extLst>
           </p:cNvPr>
@@ -1256,7 +1256,7 @@
           <p:cNvPr id="3" name="内容占位符 2">
             <a:extLst>
               <a:ext uri="{FF2B5EF4-FFF2-40B4-BE49-F238E27FC236}">
-                <a16:creationId xmlns:a16="http://schemas.microsoft.com/office/drawing/2014/main" id="{3D567C84-9AF0-2E11-76E3-C6637E2D0827}"/>
+                <a16:creationId xmlns:a16="http://schemas.microsoft.com/office/drawing/2014/main" id="{17808267-AF5C-3E28-8E47-BC898E6A7994}"/>
               </a:ext>
             </a:extLst>
           </p:cNvPr>
@@ -1318,7 +1318,7 @@
           <p:cNvPr id="4" name="内容占位符 3">
             <a:extLst>
               <a:ext uri="{FF2B5EF4-FFF2-40B4-BE49-F238E27FC236}">
-                <a16:creationId xmlns:a16="http://schemas.microsoft.com/office/drawing/2014/main" id="{ED58021B-3FB1-F53D-8BCA-5355F22AD8BD}"/>
+                <a16:creationId xmlns:a16="http://schemas.microsoft.com/office/drawing/2014/main" id="{C2D03825-6C91-CC52-96E6-7DACC6B08D74}"/>
               </a:ext>
             </a:extLst>
           </p:cNvPr>
@@ -1380,7 +1380,7 @@
           <p:cNvPr id="5" name="日期占位符 4">
             <a:extLst>
               <a:ext uri="{FF2B5EF4-FFF2-40B4-BE49-F238E27FC236}">
-                <a16:creationId xmlns:a16="http://schemas.microsoft.com/office/drawing/2014/main" id="{CB92EC49-5CEF-7BDF-F9AC-6357D63C4A5E}"/>
+                <a16:creationId xmlns:a16="http://schemas.microsoft.com/office/drawing/2014/main" id="{5B5919BB-7303-3D5E-7A97-36FF71FAE65D}"/>
               </a:ext>
             </a:extLst>
           </p:cNvPr>
@@ -1396,7 +1396,7 @@
           <a:bodyPr/>
           <a:lstStyle/>
           <a:p>
-            <a:fld id="{98236265-4756-4741-9A36-0928F2E4414A}" type="datetimeFigureOut">
+            <a:fld id="{D5F040F5-0451-47AD-86D1-1EDB7D89B8A1}" type="datetimeFigureOut">
               <a:rPr lang="zh-CN" altLang="en-US" smtClean="0"/>
               <a:t>2024/3/10</a:t>
             </a:fld>
@@ -1409,7 +1409,7 @@
           <p:cNvPr id="6" name="页脚占位符 5">
             <a:extLst>
               <a:ext uri="{FF2B5EF4-FFF2-40B4-BE49-F238E27FC236}">
-                <a16:creationId xmlns:a16="http://schemas.microsoft.com/office/drawing/2014/main" id="{C60A4D81-996A-D430-EB1A-369B5CAE4E20}"/>
+                <a16:creationId xmlns:a16="http://schemas.microsoft.com/office/drawing/2014/main" id="{24C246B0-473A-1397-9575-617EC4E77EE5}"/>
               </a:ext>
             </a:extLst>
           </p:cNvPr>
@@ -1434,7 +1434,7 @@
           <p:cNvPr id="7" name="灯片编号占位符 6">
             <a:extLst>
               <a:ext uri="{FF2B5EF4-FFF2-40B4-BE49-F238E27FC236}">
-                <a16:creationId xmlns:a16="http://schemas.microsoft.com/office/drawing/2014/main" id="{2B4062F6-0358-BF84-8D6E-2E3B53435C87}"/>
+                <a16:creationId xmlns:a16="http://schemas.microsoft.com/office/drawing/2014/main" id="{604286A6-8645-7DAE-7C12-F441A21D49D5}"/>
               </a:ext>
             </a:extLst>
           </p:cNvPr>
@@ -1450,7 +1450,7 @@
           <a:bodyPr/>
           <a:lstStyle/>
           <a:p>
-            <a:fld id="{75ECA95C-8E8F-4DF9-A511-2459092058C7}" type="slidenum">
+            <a:fld id="{F82B0FBE-D716-4CB2-8EE2-378963DD040A}" type="slidenum">
               <a:rPr lang="zh-CN" altLang="en-US" smtClean="0"/>
               <a:t>‹#›</a:t>
             </a:fld>
@@ -1461,7 +1461,7 @@
     </p:spTree>
     <p:extLst>
       <p:ext uri="{BB962C8B-B14F-4D97-AF65-F5344CB8AC3E}">
-        <p14:creationId xmlns:p14="http://schemas.microsoft.com/office/powerpoint/2010/main" val="2676930349"/>
+        <p14:creationId xmlns:p14="http://schemas.microsoft.com/office/powerpoint/2010/main" val="2616644166"/>
       </p:ext>
     </p:extLst>
   </p:cSld>
@@ -1493,7 +1493,7 @@
           <p:cNvPr id="2" name="标题 1">
             <a:extLst>
               <a:ext uri="{FF2B5EF4-FFF2-40B4-BE49-F238E27FC236}">
-                <a16:creationId xmlns:a16="http://schemas.microsoft.com/office/drawing/2014/main" id="{2131FB8F-197F-B882-E90C-E360AA282B1E}"/>
+                <a16:creationId xmlns:a16="http://schemas.microsoft.com/office/drawing/2014/main" id="{318D78E2-3D9D-1BFA-0CAE-65249CF526B1}"/>
               </a:ext>
             </a:extLst>
           </p:cNvPr>
@@ -1526,7 +1526,7 @@
           <p:cNvPr id="3" name="文本占位符 2">
             <a:extLst>
               <a:ext uri="{FF2B5EF4-FFF2-40B4-BE49-F238E27FC236}">
-                <a16:creationId xmlns:a16="http://schemas.microsoft.com/office/drawing/2014/main" id="{07E36F1C-5D0E-40AA-5AA6-225783DE9DB5}"/>
+                <a16:creationId xmlns:a16="http://schemas.microsoft.com/office/drawing/2014/main" id="{3E4FFF58-C8E3-3BAA-B07F-7C5B5C32022E}"/>
               </a:ext>
             </a:extLst>
           </p:cNvPr>
@@ -1597,7 +1597,7 @@
           <p:cNvPr id="4" name="内容占位符 3">
             <a:extLst>
               <a:ext uri="{FF2B5EF4-FFF2-40B4-BE49-F238E27FC236}">
-                <a16:creationId xmlns:a16="http://schemas.microsoft.com/office/drawing/2014/main" id="{AB2314F9-E367-5027-320B-1CF27C1B0879}"/>
+                <a16:creationId xmlns:a16="http://schemas.microsoft.com/office/drawing/2014/main" id="{0DA26D8D-62CA-7380-6DEF-90B0FCB157A7}"/>
               </a:ext>
             </a:extLst>
           </p:cNvPr>
@@ -1659,7 +1659,7 @@
           <p:cNvPr id="5" name="文本占位符 4">
             <a:extLst>
               <a:ext uri="{FF2B5EF4-FFF2-40B4-BE49-F238E27FC236}">
-                <a16:creationId xmlns:a16="http://schemas.microsoft.com/office/drawing/2014/main" id="{42BC5640-04E2-2DE2-88A7-1A362F6D2E68}"/>
+                <a16:creationId xmlns:a16="http://schemas.microsoft.com/office/drawing/2014/main" id="{13048ABD-8A7E-906C-7068-DB3455E4FA37}"/>
               </a:ext>
             </a:extLst>
           </p:cNvPr>
@@ -1730,7 +1730,7 @@
           <p:cNvPr id="6" name="内容占位符 5">
             <a:extLst>
               <a:ext uri="{FF2B5EF4-FFF2-40B4-BE49-F238E27FC236}">
-                <a16:creationId xmlns:a16="http://schemas.microsoft.com/office/drawing/2014/main" id="{84273CFF-FCC7-EA82-207A-06ADB353349D}"/>
+                <a16:creationId xmlns:a16="http://schemas.microsoft.com/office/drawing/2014/main" id="{D9F1A04F-81A4-A006-AB0C-D66C147771EA}"/>
               </a:ext>
             </a:extLst>
           </p:cNvPr>
@@ -1792,7 +1792,7 @@
           <p:cNvPr id="7" name="日期占位符 6">
             <a:extLst>
               <a:ext uri="{FF2B5EF4-FFF2-40B4-BE49-F238E27FC236}">
-                <a16:creationId xmlns:a16="http://schemas.microsoft.com/office/drawing/2014/main" id="{E3D5C140-6B0B-3EAC-B696-E49C861B73BC}"/>
+                <a16:creationId xmlns:a16="http://schemas.microsoft.com/office/drawing/2014/main" id="{D6F3AA24-B8E8-1E18-9783-43AFF86D52A7}"/>
               </a:ext>
             </a:extLst>
           </p:cNvPr>
@@ -1808,7 +1808,7 @@
           <a:bodyPr/>
           <a:lstStyle/>
           <a:p>
-            <a:fld id="{98236265-4756-4741-9A36-0928F2E4414A}" type="datetimeFigureOut">
+            <a:fld id="{D5F040F5-0451-47AD-86D1-1EDB7D89B8A1}" type="datetimeFigureOut">
               <a:rPr lang="zh-CN" altLang="en-US" smtClean="0"/>
               <a:t>2024/3/10</a:t>
             </a:fld>
@@ -1821,7 +1821,7 @@
           <p:cNvPr id="8" name="页脚占位符 7">
             <a:extLst>
               <a:ext uri="{FF2B5EF4-FFF2-40B4-BE49-F238E27FC236}">
-                <a16:creationId xmlns:a16="http://schemas.microsoft.com/office/drawing/2014/main" id="{069F54BC-A437-765D-3CD2-CE1EE30FDC94}"/>
+                <a16:creationId xmlns:a16="http://schemas.microsoft.com/office/drawing/2014/main" id="{A3508518-F544-9A66-44EA-FE4403452418}"/>
               </a:ext>
             </a:extLst>
           </p:cNvPr>
@@ -1846,7 +1846,7 @@
           <p:cNvPr id="9" name="灯片编号占位符 8">
             <a:extLst>
               <a:ext uri="{FF2B5EF4-FFF2-40B4-BE49-F238E27FC236}">
-                <a16:creationId xmlns:a16="http://schemas.microsoft.com/office/drawing/2014/main" id="{FA9C58E2-93CE-E3D4-B0F2-C8EB54C45D9C}"/>
+                <a16:creationId xmlns:a16="http://schemas.microsoft.com/office/drawing/2014/main" id="{2694B601-2B9B-A0D8-B5C1-1E89C422C4D1}"/>
               </a:ext>
             </a:extLst>
           </p:cNvPr>
@@ -1862,7 +1862,7 @@
           <a:bodyPr/>
           <a:lstStyle/>
           <a:p>
-            <a:fld id="{75ECA95C-8E8F-4DF9-A511-2459092058C7}" type="slidenum">
+            <a:fld id="{F82B0FBE-D716-4CB2-8EE2-378963DD040A}" type="slidenum">
               <a:rPr lang="zh-CN" altLang="en-US" smtClean="0"/>
               <a:t>‹#›</a:t>
             </a:fld>
@@ -1873,7 +1873,7 @@
     </p:spTree>
     <p:extLst>
       <p:ext uri="{BB962C8B-B14F-4D97-AF65-F5344CB8AC3E}">
-        <p14:creationId xmlns:p14="http://schemas.microsoft.com/office/powerpoint/2010/main" val="646643637"/>
+        <p14:creationId xmlns:p14="http://schemas.microsoft.com/office/powerpoint/2010/main" val="1724794009"/>
       </p:ext>
     </p:extLst>
   </p:cSld>
@@ -1905,7 +1905,7 @@
           <p:cNvPr id="2" name="标题 1">
             <a:extLst>
               <a:ext uri="{FF2B5EF4-FFF2-40B4-BE49-F238E27FC236}">
-                <a16:creationId xmlns:a16="http://schemas.microsoft.com/office/drawing/2014/main" id="{6593D4C1-94BD-2764-760F-00C063A8F8A5}"/>
+                <a16:creationId xmlns:a16="http://schemas.microsoft.com/office/drawing/2014/main" id="{95E96143-E1BE-B043-AA39-1F24D4A6CFC0}"/>
               </a:ext>
             </a:extLst>
           </p:cNvPr>
@@ -1933,7 +1933,7 @@
           <p:cNvPr id="3" name="日期占位符 2">
             <a:extLst>
               <a:ext uri="{FF2B5EF4-FFF2-40B4-BE49-F238E27FC236}">
-                <a16:creationId xmlns:a16="http://schemas.microsoft.com/office/drawing/2014/main" id="{088C05BD-314A-7FFB-2B10-AECBDE087960}"/>
+                <a16:creationId xmlns:a16="http://schemas.microsoft.com/office/drawing/2014/main" id="{F837AE79-D70F-B844-53D9-4A43587C6745}"/>
               </a:ext>
             </a:extLst>
           </p:cNvPr>
@@ -1949,7 +1949,7 @@
           <a:bodyPr/>
           <a:lstStyle/>
           <a:p>
-            <a:fld id="{98236265-4756-4741-9A36-0928F2E4414A}" type="datetimeFigureOut">
+            <a:fld id="{D5F040F5-0451-47AD-86D1-1EDB7D89B8A1}" type="datetimeFigureOut">
               <a:rPr lang="zh-CN" altLang="en-US" smtClean="0"/>
               <a:t>2024/3/10</a:t>
             </a:fld>
@@ -1962,7 +1962,7 @@
           <p:cNvPr id="4" name="页脚占位符 3">
             <a:extLst>
               <a:ext uri="{FF2B5EF4-FFF2-40B4-BE49-F238E27FC236}">
-                <a16:creationId xmlns:a16="http://schemas.microsoft.com/office/drawing/2014/main" id="{EBC2B923-EF63-FDE6-84D4-990C06BAC3EA}"/>
+                <a16:creationId xmlns:a16="http://schemas.microsoft.com/office/drawing/2014/main" id="{66722BC9-8715-E9E1-5BFD-62447BFF3A97}"/>
               </a:ext>
             </a:extLst>
           </p:cNvPr>
@@ -1987,7 +1987,7 @@
           <p:cNvPr id="5" name="灯片编号占位符 4">
             <a:extLst>
               <a:ext uri="{FF2B5EF4-FFF2-40B4-BE49-F238E27FC236}">
-                <a16:creationId xmlns:a16="http://schemas.microsoft.com/office/drawing/2014/main" id="{CE888294-1C4E-094E-3FCF-1C35EB9EDCD3}"/>
+                <a16:creationId xmlns:a16="http://schemas.microsoft.com/office/drawing/2014/main" id="{D83B61C7-17CA-B2D7-7E59-7BF52A732791}"/>
               </a:ext>
             </a:extLst>
           </p:cNvPr>
@@ -2003,7 +2003,7 @@
           <a:bodyPr/>
           <a:lstStyle/>
           <a:p>
-            <a:fld id="{75ECA95C-8E8F-4DF9-A511-2459092058C7}" type="slidenum">
+            <a:fld id="{F82B0FBE-D716-4CB2-8EE2-378963DD040A}" type="slidenum">
               <a:rPr lang="zh-CN" altLang="en-US" smtClean="0"/>
               <a:t>‹#›</a:t>
             </a:fld>
@@ -2014,7 +2014,7 @@
     </p:spTree>
     <p:extLst>
       <p:ext uri="{BB962C8B-B14F-4D97-AF65-F5344CB8AC3E}">
-        <p14:creationId xmlns:p14="http://schemas.microsoft.com/office/powerpoint/2010/main" val="19794585"/>
+        <p14:creationId xmlns:p14="http://schemas.microsoft.com/office/powerpoint/2010/main" val="327939302"/>
       </p:ext>
     </p:extLst>
   </p:cSld>
@@ -2046,7 +2046,7 @@
           <p:cNvPr id="2" name="日期占位符 1">
             <a:extLst>
               <a:ext uri="{FF2B5EF4-FFF2-40B4-BE49-F238E27FC236}">
-                <a16:creationId xmlns:a16="http://schemas.microsoft.com/office/drawing/2014/main" id="{DD99D195-B97C-FCA7-12BD-F4BB5F574FCF}"/>
+                <a16:creationId xmlns:a16="http://schemas.microsoft.com/office/drawing/2014/main" id="{21D6B2E3-3606-41F4-F66D-E641C9A967F2}"/>
               </a:ext>
             </a:extLst>
           </p:cNvPr>
@@ -2062,7 +2062,7 @@
           <a:bodyPr/>
           <a:lstStyle/>
           <a:p>
-            <a:fld id="{98236265-4756-4741-9A36-0928F2E4414A}" type="datetimeFigureOut">
+            <a:fld id="{D5F040F5-0451-47AD-86D1-1EDB7D89B8A1}" type="datetimeFigureOut">
               <a:rPr lang="zh-CN" altLang="en-US" smtClean="0"/>
               <a:t>2024/3/10</a:t>
             </a:fld>
@@ -2075,7 +2075,7 @@
           <p:cNvPr id="3" name="页脚占位符 2">
             <a:extLst>
               <a:ext uri="{FF2B5EF4-FFF2-40B4-BE49-F238E27FC236}">
-                <a16:creationId xmlns:a16="http://schemas.microsoft.com/office/drawing/2014/main" id="{334A5C43-A573-89E4-0088-A5D1119A24C0}"/>
+                <a16:creationId xmlns:a16="http://schemas.microsoft.com/office/drawing/2014/main" id="{4226B6D0-8979-0ECA-BE89-9390DF3A0D62}"/>
               </a:ext>
             </a:extLst>
           </p:cNvPr>
@@ -2100,7 +2100,7 @@
           <p:cNvPr id="4" name="灯片编号占位符 3">
             <a:extLst>
               <a:ext uri="{FF2B5EF4-FFF2-40B4-BE49-F238E27FC236}">
-                <a16:creationId xmlns:a16="http://schemas.microsoft.com/office/drawing/2014/main" id="{14A25C91-244A-1F99-BD98-4E231AE18EA4}"/>
+                <a16:creationId xmlns:a16="http://schemas.microsoft.com/office/drawing/2014/main" id="{B32A23BB-22C1-CAE9-54EE-D4DDF3948B9D}"/>
               </a:ext>
             </a:extLst>
           </p:cNvPr>
@@ -2116,7 +2116,7 @@
           <a:bodyPr/>
           <a:lstStyle/>
           <a:p>
-            <a:fld id="{75ECA95C-8E8F-4DF9-A511-2459092058C7}" type="slidenum">
+            <a:fld id="{F82B0FBE-D716-4CB2-8EE2-378963DD040A}" type="slidenum">
               <a:rPr lang="zh-CN" altLang="en-US" smtClean="0"/>
               <a:t>‹#›</a:t>
             </a:fld>
@@ -2127,7 +2127,7 @@
     </p:spTree>
     <p:extLst>
       <p:ext uri="{BB962C8B-B14F-4D97-AF65-F5344CB8AC3E}">
-        <p14:creationId xmlns:p14="http://schemas.microsoft.com/office/powerpoint/2010/main" val="3247440068"/>
+        <p14:creationId xmlns:p14="http://schemas.microsoft.com/office/powerpoint/2010/main" val="2065667987"/>
       </p:ext>
     </p:extLst>
   </p:cSld>
@@ -2159,7 +2159,7 @@
           <p:cNvPr id="2" name="标题 1">
             <a:extLst>
               <a:ext uri="{FF2B5EF4-FFF2-40B4-BE49-F238E27FC236}">
-                <a16:creationId xmlns:a16="http://schemas.microsoft.com/office/drawing/2014/main" id="{ED94F620-3095-047D-46FF-F3485B63251A}"/>
+                <a16:creationId xmlns:a16="http://schemas.microsoft.com/office/drawing/2014/main" id="{50CD1820-9457-8F7E-C667-45E7AD0D46EC}"/>
               </a:ext>
             </a:extLst>
           </p:cNvPr>
@@ -2196,7 +2196,7 @@
           <p:cNvPr id="3" name="内容占位符 2">
             <a:extLst>
               <a:ext uri="{FF2B5EF4-FFF2-40B4-BE49-F238E27FC236}">
-                <a16:creationId xmlns:a16="http://schemas.microsoft.com/office/drawing/2014/main" id="{3E188355-7A9A-6495-72F2-91915433DA0A}"/>
+                <a16:creationId xmlns:a16="http://schemas.microsoft.com/office/drawing/2014/main" id="{53B1F40B-726E-1045-0EE2-78126451A2D8}"/>
               </a:ext>
             </a:extLst>
           </p:cNvPr>
@@ -2286,7 +2286,7 @@
           <p:cNvPr id="4" name="文本占位符 3">
             <a:extLst>
               <a:ext uri="{FF2B5EF4-FFF2-40B4-BE49-F238E27FC236}">
-                <a16:creationId xmlns:a16="http://schemas.microsoft.com/office/drawing/2014/main" id="{B7ED4049-3414-FC60-F55D-85300C54D49E}"/>
+                <a16:creationId xmlns:a16="http://schemas.microsoft.com/office/drawing/2014/main" id="{1A517CCA-ECE8-F58B-BE64-8203FD08B945}"/>
               </a:ext>
             </a:extLst>
           </p:cNvPr>
@@ -2357,7 +2357,7 @@
           <p:cNvPr id="5" name="日期占位符 4">
             <a:extLst>
               <a:ext uri="{FF2B5EF4-FFF2-40B4-BE49-F238E27FC236}">
-                <a16:creationId xmlns:a16="http://schemas.microsoft.com/office/drawing/2014/main" id="{C9F2750F-75CB-F68E-615D-6F125E13628E}"/>
+                <a16:creationId xmlns:a16="http://schemas.microsoft.com/office/drawing/2014/main" id="{C3E2CC38-155C-D5DB-339B-E557B532A419}"/>
               </a:ext>
             </a:extLst>
           </p:cNvPr>
@@ -2373,7 +2373,7 @@
           <a:bodyPr/>
           <a:lstStyle/>
           <a:p>
-            <a:fld id="{98236265-4756-4741-9A36-0928F2E4414A}" type="datetimeFigureOut">
+            <a:fld id="{D5F040F5-0451-47AD-86D1-1EDB7D89B8A1}" type="datetimeFigureOut">
               <a:rPr lang="zh-CN" altLang="en-US" smtClean="0"/>
               <a:t>2024/3/10</a:t>
             </a:fld>
@@ -2386,7 +2386,7 @@
           <p:cNvPr id="6" name="页脚占位符 5">
             <a:extLst>
               <a:ext uri="{FF2B5EF4-FFF2-40B4-BE49-F238E27FC236}">
-                <a16:creationId xmlns:a16="http://schemas.microsoft.com/office/drawing/2014/main" id="{0BBBF55C-6458-D8FC-0633-98E58D6738C1}"/>
+                <a16:creationId xmlns:a16="http://schemas.microsoft.com/office/drawing/2014/main" id="{F4D430CA-7914-C178-36A0-6114724A293B}"/>
               </a:ext>
             </a:extLst>
           </p:cNvPr>
@@ -2411,7 +2411,7 @@
           <p:cNvPr id="7" name="灯片编号占位符 6">
             <a:extLst>
               <a:ext uri="{FF2B5EF4-FFF2-40B4-BE49-F238E27FC236}">
-                <a16:creationId xmlns:a16="http://schemas.microsoft.com/office/drawing/2014/main" id="{51ED957E-8347-CC0E-0374-7E27581A8C23}"/>
+                <a16:creationId xmlns:a16="http://schemas.microsoft.com/office/drawing/2014/main" id="{7A909E92-E98C-8A05-F966-A0CBE1D54678}"/>
               </a:ext>
             </a:extLst>
           </p:cNvPr>
@@ -2427,7 +2427,7 @@
           <a:bodyPr/>
           <a:lstStyle/>
           <a:p>
-            <a:fld id="{75ECA95C-8E8F-4DF9-A511-2459092058C7}" type="slidenum">
+            <a:fld id="{F82B0FBE-D716-4CB2-8EE2-378963DD040A}" type="slidenum">
               <a:rPr lang="zh-CN" altLang="en-US" smtClean="0"/>
               <a:t>‹#›</a:t>
             </a:fld>
@@ -2438,7 +2438,7 @@
     </p:spTree>
     <p:extLst>
       <p:ext uri="{BB962C8B-B14F-4D97-AF65-F5344CB8AC3E}">
-        <p14:creationId xmlns:p14="http://schemas.microsoft.com/office/powerpoint/2010/main" val="3230948954"/>
+        <p14:creationId xmlns:p14="http://schemas.microsoft.com/office/powerpoint/2010/main" val="518194683"/>
       </p:ext>
     </p:extLst>
   </p:cSld>
@@ -2470,7 +2470,7 @@
           <p:cNvPr id="2" name="标题 1">
             <a:extLst>
               <a:ext uri="{FF2B5EF4-FFF2-40B4-BE49-F238E27FC236}">
-                <a16:creationId xmlns:a16="http://schemas.microsoft.com/office/drawing/2014/main" id="{0136B072-AD26-D694-B469-AFCB6BABD231}"/>
+                <a16:creationId xmlns:a16="http://schemas.microsoft.com/office/drawing/2014/main" id="{3D890688-AADC-C065-92FB-4CD7910804CD}"/>
               </a:ext>
             </a:extLst>
           </p:cNvPr>
@@ -2507,7 +2507,7 @@
           <p:cNvPr id="3" name="图片占位符 2">
             <a:extLst>
               <a:ext uri="{FF2B5EF4-FFF2-40B4-BE49-F238E27FC236}">
-                <a16:creationId xmlns:a16="http://schemas.microsoft.com/office/drawing/2014/main" id="{C485CB7A-45CC-14A0-E99A-E81CD3CD6F59}"/>
+                <a16:creationId xmlns:a16="http://schemas.microsoft.com/office/drawing/2014/main" id="{841A38A9-821E-E759-292D-F2EA2815B0B6}"/>
               </a:ext>
             </a:extLst>
           </p:cNvPr>
@@ -2574,7 +2574,7 @@
           <p:cNvPr id="4" name="文本占位符 3">
             <a:extLst>
               <a:ext uri="{FF2B5EF4-FFF2-40B4-BE49-F238E27FC236}">
-                <a16:creationId xmlns:a16="http://schemas.microsoft.com/office/drawing/2014/main" id="{16CDF42B-A883-7280-A638-13F3FF24188B}"/>
+                <a16:creationId xmlns:a16="http://schemas.microsoft.com/office/drawing/2014/main" id="{0070D523-66E5-AB49-470A-5FE8F5CA0F2C}"/>
               </a:ext>
             </a:extLst>
           </p:cNvPr>
@@ -2645,7 +2645,7 @@
           <p:cNvPr id="5" name="日期占位符 4">
             <a:extLst>
               <a:ext uri="{FF2B5EF4-FFF2-40B4-BE49-F238E27FC236}">
-                <a16:creationId xmlns:a16="http://schemas.microsoft.com/office/drawing/2014/main" id="{8E56701A-5FF6-D121-690F-14B0CFDB7ED0}"/>
+                <a16:creationId xmlns:a16="http://schemas.microsoft.com/office/drawing/2014/main" id="{CBF02BAA-DB65-42E0-C72E-71B30515AA93}"/>
               </a:ext>
             </a:extLst>
           </p:cNvPr>
@@ -2661,7 +2661,7 @@
           <a:bodyPr/>
           <a:lstStyle/>
           <a:p>
-            <a:fld id="{98236265-4756-4741-9A36-0928F2E4414A}" type="datetimeFigureOut">
+            <a:fld id="{D5F040F5-0451-47AD-86D1-1EDB7D89B8A1}" type="datetimeFigureOut">
               <a:rPr lang="zh-CN" altLang="en-US" smtClean="0"/>
               <a:t>2024/3/10</a:t>
             </a:fld>
@@ -2674,7 +2674,7 @@
           <p:cNvPr id="6" name="页脚占位符 5">
             <a:extLst>
               <a:ext uri="{FF2B5EF4-FFF2-40B4-BE49-F238E27FC236}">
-                <a16:creationId xmlns:a16="http://schemas.microsoft.com/office/drawing/2014/main" id="{0B501EDD-0A4B-B8DA-1D53-319A0EB01A17}"/>
+                <a16:creationId xmlns:a16="http://schemas.microsoft.com/office/drawing/2014/main" id="{5519CFF5-B387-EF32-ED61-3DC51F0B321A}"/>
               </a:ext>
             </a:extLst>
           </p:cNvPr>
@@ -2699,7 +2699,7 @@
           <p:cNvPr id="7" name="灯片编号占位符 6">
             <a:extLst>
               <a:ext uri="{FF2B5EF4-FFF2-40B4-BE49-F238E27FC236}">
-                <a16:creationId xmlns:a16="http://schemas.microsoft.com/office/drawing/2014/main" id="{A68FBDBE-6EB0-838C-ABEF-63725820D2A4}"/>
+                <a16:creationId xmlns:a16="http://schemas.microsoft.com/office/drawing/2014/main" id="{EDB69407-7E66-E76E-EFDE-A512B2666743}"/>
               </a:ext>
             </a:extLst>
           </p:cNvPr>
@@ -2715,7 +2715,7 @@
           <a:bodyPr/>
           <a:lstStyle/>
           <a:p>
-            <a:fld id="{75ECA95C-8E8F-4DF9-A511-2459092058C7}" type="slidenum">
+            <a:fld id="{F82B0FBE-D716-4CB2-8EE2-378963DD040A}" type="slidenum">
               <a:rPr lang="zh-CN" altLang="en-US" smtClean="0"/>
               <a:t>‹#›</a:t>
             </a:fld>
@@ -2726,7 +2726,7 @@
     </p:spTree>
     <p:extLst>
       <p:ext uri="{BB962C8B-B14F-4D97-AF65-F5344CB8AC3E}">
-        <p14:creationId xmlns:p14="http://schemas.microsoft.com/office/powerpoint/2010/main" val="4209131800"/>
+        <p14:creationId xmlns:p14="http://schemas.microsoft.com/office/powerpoint/2010/main" val="3403640837"/>
       </p:ext>
     </p:extLst>
   </p:cSld>
@@ -2763,7 +2763,7 @@
           <p:cNvPr id="2" name="标题占位符 1">
             <a:extLst>
               <a:ext uri="{FF2B5EF4-FFF2-40B4-BE49-F238E27FC236}">
-                <a16:creationId xmlns:a16="http://schemas.microsoft.com/office/drawing/2014/main" id="{643FCA80-DF5B-28EA-6662-5F2CEDD77C86}"/>
+                <a16:creationId xmlns:a16="http://schemas.microsoft.com/office/drawing/2014/main" id="{47E806A6-91E9-91DD-61B8-136C41C34F5F}"/>
               </a:ext>
             </a:extLst>
           </p:cNvPr>
@@ -2801,7 +2801,7 @@
           <p:cNvPr id="3" name="文本占位符 2">
             <a:extLst>
               <a:ext uri="{FF2B5EF4-FFF2-40B4-BE49-F238E27FC236}">
-                <a16:creationId xmlns:a16="http://schemas.microsoft.com/office/drawing/2014/main" id="{101E9AF6-6769-E490-7EC2-C30CE21EF394}"/>
+                <a16:creationId xmlns:a16="http://schemas.microsoft.com/office/drawing/2014/main" id="{5AB601B5-197A-4696-0D8A-FB96BA39667F}"/>
               </a:ext>
             </a:extLst>
           </p:cNvPr>
@@ -2868,7 +2868,7 @@
           <p:cNvPr id="4" name="日期占位符 3">
             <a:extLst>
               <a:ext uri="{FF2B5EF4-FFF2-40B4-BE49-F238E27FC236}">
-                <a16:creationId xmlns:a16="http://schemas.microsoft.com/office/drawing/2014/main" id="{94E914BB-00AD-955D-DECA-EBB1F387DE3A}"/>
+                <a16:creationId xmlns:a16="http://schemas.microsoft.com/office/drawing/2014/main" id="{E66AE56C-7A19-C385-2A80-E1BDA22B7CDE}"/>
               </a:ext>
             </a:extLst>
           </p:cNvPr>
@@ -2902,7 +2902,7 @@
             </a:lvl1pPr>
           </a:lstStyle>
           <a:p>
-            <a:fld id="{98236265-4756-4741-9A36-0928F2E4414A}" type="datetimeFigureOut">
+            <a:fld id="{D5F040F5-0451-47AD-86D1-1EDB7D89B8A1}" type="datetimeFigureOut">
               <a:rPr lang="zh-CN" altLang="en-US" smtClean="0"/>
               <a:t>2024/3/10</a:t>
             </a:fld>
@@ -2915,7 +2915,7 @@
           <p:cNvPr id="5" name="页脚占位符 4">
             <a:extLst>
               <a:ext uri="{FF2B5EF4-FFF2-40B4-BE49-F238E27FC236}">
-                <a16:creationId xmlns:a16="http://schemas.microsoft.com/office/drawing/2014/main" id="{F79A2920-A7ED-3417-9341-9FAF19170652}"/>
+                <a16:creationId xmlns:a16="http://schemas.microsoft.com/office/drawing/2014/main" id="{FD3D4CDB-476A-AF38-5AFE-16320CFAFB0F}"/>
               </a:ext>
             </a:extLst>
           </p:cNvPr>
@@ -2958,7 +2958,7 @@
           <p:cNvPr id="6" name="灯片编号占位符 5">
             <a:extLst>
               <a:ext uri="{FF2B5EF4-FFF2-40B4-BE49-F238E27FC236}">
-                <a16:creationId xmlns:a16="http://schemas.microsoft.com/office/drawing/2014/main" id="{905B5F42-E4ED-3097-A408-8FB3F7FA722B}"/>
+                <a16:creationId xmlns:a16="http://schemas.microsoft.com/office/drawing/2014/main" id="{23B9E2F7-4064-A81B-77C2-DEE0F61E2196}"/>
               </a:ext>
             </a:extLst>
           </p:cNvPr>
@@ -2992,7 +2992,7 @@
             </a:lvl1pPr>
           </a:lstStyle>
           <a:p>
-            <a:fld id="{75ECA95C-8E8F-4DF9-A511-2459092058C7}" type="slidenum">
+            <a:fld id="{F82B0FBE-D716-4CB2-8EE2-378963DD040A}" type="slidenum">
               <a:rPr lang="zh-CN" altLang="en-US" smtClean="0"/>
               <a:t>‹#›</a:t>
             </a:fld>
@@ -3003,7 +3003,7 @@
     </p:spTree>
     <p:extLst>
       <p:ext uri="{BB962C8B-B14F-4D97-AF65-F5344CB8AC3E}">
-        <p14:creationId xmlns:p14="http://schemas.microsoft.com/office/powerpoint/2010/main" val="1286393928"/>
+        <p14:creationId xmlns:p14="http://schemas.microsoft.com/office/powerpoint/2010/main" val="506486495"/>
       </p:ext>
     </p:extLst>
   </p:cSld>
